--- a/Django Part I.pptx
+++ b/Django Part I.pptx
@@ -285,7 +285,7 @@
           <a:p>
             <a:fld id="{B081671F-5646-4174-8D79-BE78E8947422}" type="datetimeFigureOut">
               <a:rPr lang="en-US" smtClean="0"/>
-              <a:t>4/14/2020</a:t>
+              <a:t>5/5/20</a:t>
             </a:fld>
             <a:endParaRPr lang="en-US"/>
           </a:p>
@@ -483,7 +483,7 @@
           <a:p>
             <a:fld id="{B081671F-5646-4174-8D79-BE78E8947422}" type="datetimeFigureOut">
               <a:rPr lang="en-US" smtClean="0"/>
-              <a:t>4/14/2020</a:t>
+              <a:t>5/5/20</a:t>
             </a:fld>
             <a:endParaRPr lang="en-US"/>
           </a:p>
@@ -691,7 +691,7 @@
           <a:p>
             <a:fld id="{B081671F-5646-4174-8D79-BE78E8947422}" type="datetimeFigureOut">
               <a:rPr lang="en-US" smtClean="0"/>
-              <a:t>4/14/2020</a:t>
+              <a:t>5/5/20</a:t>
             </a:fld>
             <a:endParaRPr lang="en-US"/>
           </a:p>
@@ -889,7 +889,7 @@
           <a:p>
             <a:fld id="{B081671F-5646-4174-8D79-BE78E8947422}" type="datetimeFigureOut">
               <a:rPr lang="en-US" smtClean="0"/>
-              <a:t>4/14/2020</a:t>
+              <a:t>5/5/20</a:t>
             </a:fld>
             <a:endParaRPr lang="en-US"/>
           </a:p>
@@ -1164,7 +1164,7 @@
           <a:p>
             <a:fld id="{B081671F-5646-4174-8D79-BE78E8947422}" type="datetimeFigureOut">
               <a:rPr lang="en-US" smtClean="0"/>
-              <a:t>4/14/2020</a:t>
+              <a:t>5/5/20</a:t>
             </a:fld>
             <a:endParaRPr lang="en-US"/>
           </a:p>
@@ -1429,7 +1429,7 @@
           <a:p>
             <a:fld id="{B081671F-5646-4174-8D79-BE78E8947422}" type="datetimeFigureOut">
               <a:rPr lang="en-US" smtClean="0"/>
-              <a:t>4/14/2020</a:t>
+              <a:t>5/5/20</a:t>
             </a:fld>
             <a:endParaRPr lang="en-US"/>
           </a:p>
@@ -1841,7 +1841,7 @@
           <a:p>
             <a:fld id="{B081671F-5646-4174-8D79-BE78E8947422}" type="datetimeFigureOut">
               <a:rPr lang="en-US" smtClean="0"/>
-              <a:t>4/14/2020</a:t>
+              <a:t>5/5/20</a:t>
             </a:fld>
             <a:endParaRPr lang="en-US"/>
           </a:p>
@@ -1982,7 +1982,7 @@
           <a:p>
             <a:fld id="{B081671F-5646-4174-8D79-BE78E8947422}" type="datetimeFigureOut">
               <a:rPr lang="en-US" smtClean="0"/>
-              <a:t>4/14/2020</a:t>
+              <a:t>5/5/20</a:t>
             </a:fld>
             <a:endParaRPr lang="en-US"/>
           </a:p>
@@ -2095,7 +2095,7 @@
           <a:p>
             <a:fld id="{B081671F-5646-4174-8D79-BE78E8947422}" type="datetimeFigureOut">
               <a:rPr lang="en-US" smtClean="0"/>
-              <a:t>4/14/2020</a:t>
+              <a:t>5/5/20</a:t>
             </a:fld>
             <a:endParaRPr lang="en-US"/>
           </a:p>
@@ -2406,7 +2406,7 @@
           <a:p>
             <a:fld id="{B081671F-5646-4174-8D79-BE78E8947422}" type="datetimeFigureOut">
               <a:rPr lang="en-US" smtClean="0"/>
-              <a:t>4/14/2020</a:t>
+              <a:t>5/5/20</a:t>
             </a:fld>
             <a:endParaRPr lang="en-US"/>
           </a:p>
@@ -2694,7 +2694,7 @@
           <a:p>
             <a:fld id="{B081671F-5646-4174-8D79-BE78E8947422}" type="datetimeFigureOut">
               <a:rPr lang="en-US" smtClean="0"/>
-              <a:t>4/14/2020</a:t>
+              <a:t>5/5/20</a:t>
             </a:fld>
             <a:endParaRPr lang="en-US"/>
           </a:p>
@@ -2935,7 +2935,7 @@
           <a:p>
             <a:fld id="{B081671F-5646-4174-8D79-BE78E8947422}" type="datetimeFigureOut">
               <a:rPr lang="en-US" smtClean="0"/>
-              <a:t>4/14/2020</a:t>
+              <a:t>5/5/20</a:t>
             </a:fld>
             <a:endParaRPr lang="en-US"/>
           </a:p>
